--- a/ws7.pptx
+++ b/ws7.pptx
@@ -254,7 +254,7 @@
               <a:pPr>
                 <a:defRPr/>
               </a:pPr>
-              <a:t>28/4/20</a:t>
+              <a:t>1/5/20</a:t>
             </a:fld>
             <a:endParaRPr lang="en-US"/>
           </a:p>
@@ -452,7 +452,7 @@
               <a:pPr>
                 <a:defRPr/>
               </a:pPr>
-              <a:t>28/4/20</a:t>
+              <a:t>1/5/20</a:t>
             </a:fld>
             <a:endParaRPr lang="en-US"/>
           </a:p>
@@ -1011,7 +1011,7 @@
             </a:r>
             <a:fld id="{34199234-A25A-904C-9B74-56A4A07707A6}" type="datetime4">
               <a:rPr lang="en-AU" smtClean="0"/>
-              <a:t>April 28, 2020</a:t>
+              <a:t>May 1, 2020</a:t>
             </a:fld>
             <a:endParaRPr lang="en-US" dirty="0"/>
           </a:p>
@@ -1323,7 +1323,7 @@
             </a:r>
             <a:fld id="{A9DEA08E-4CB3-E742-9AC2-43959A293033}" type="datetime4">
               <a:rPr lang="en-AU" smtClean="0"/>
-              <a:t>April 28, 2020</a:t>
+              <a:t>May 1, 2020</a:t>
             </a:fld>
             <a:endParaRPr lang="en-US" dirty="0"/>
           </a:p>
@@ -1625,7 +1625,7 @@
             </a:r>
             <a:fld id="{C36B4625-443B-BA4A-9C4D-9655F853EDD2}" type="datetime4">
               <a:rPr lang="en-AU" smtClean="0"/>
-              <a:t>April 28, 2020</a:t>
+              <a:t>May 1, 2020</a:t>
             </a:fld>
             <a:endParaRPr lang="en-US" dirty="0"/>
           </a:p>
@@ -2279,13 +2279,7 @@
               <a:rPr lang="en-US" dirty="0" smtClean="0">
                 <a:latin typeface="News Gothic MT" charset="0"/>
               </a:rPr>
-              <a:t>COMP20007 Workshop Week </a:t>
-            </a:r>
-            <a:r>
-              <a:rPr lang="en-US" dirty="0" smtClean="0">
-                <a:latin typeface="News Gothic MT" charset="0"/>
-              </a:rPr>
-              <a:t>7</a:t>
+              <a:t>COMP20007 Workshop Week 7</a:t>
             </a:r>
             <a:endParaRPr lang="en-US" dirty="0">
               <a:latin typeface="News Gothic MT" charset="0"/>
@@ -2451,7 +2445,7 @@
                   <a:schemeClr val="bg1"/>
                 </a:solidFill>
               </a:rPr>
-              <a:t>April 29, 2020</a:t>
+              <a:t>May 1, 2020</a:t>
             </a:fld>
             <a:endParaRPr lang="en-US" sz="1200" dirty="0">
               <a:solidFill>
@@ -2865,7 +2859,6 @@
                         <a:rPr lang="en-US" sz="2000" b="0" dirty="0" smtClean="0"/>
                         <a:t>1</a:t>
                       </a:r>
-                      <a:endParaRPr lang="en-US" sz="2000" b="0" dirty="0" smtClean="0"/>
                     </a:p>
                     <a:p>
                       <a:pPr algn="ctr">
@@ -2901,7 +2894,6 @@
                         <a:rPr lang="en-US" sz="2000" b="0" dirty="0" smtClean="0"/>
                         <a:t>2</a:t>
                       </a:r>
-                      <a:endParaRPr lang="en-US" sz="2000" b="0" dirty="0" smtClean="0"/>
                     </a:p>
                   </a:txBody>
                   <a:tcPr/>
@@ -2947,11 +2939,7 @@
                       </a:r>
                       <a:r>
                         <a:rPr lang="en-US" sz="2000" b="0" baseline="0" dirty="0" smtClean="0"/>
-                        <a:t>x </a:t>
-                      </a:r>
-                      <a:r>
-                        <a:rPr lang="en-US" sz="2000" b="0" baseline="0" dirty="0" smtClean="0"/>
-                        <a:t>from </a:t>
+                        <a:t>x from </a:t>
                       </a:r>
                       <a:r>
                         <a:rPr lang="en-US" sz="2000" b="0" kern="1200" baseline="0" dirty="0" err="1" smtClean="0">
@@ -3033,11 +3021,7 @@
                       </a:r>
                       <a:r>
                         <a:rPr lang="en-US" sz="2000" b="0" baseline="0" dirty="0" smtClean="0"/>
-                        <a:t> </a:t>
-                      </a:r>
-                      <a:r>
-                        <a:rPr lang="en-US" sz="2000" b="0" baseline="0" dirty="0" smtClean="0"/>
-                        <a:t>(from </a:t>
+                        <a:t> (from </a:t>
                       </a:r>
                       <a:r>
                         <a:rPr lang="en-US" sz="2000" b="0" kern="1200" baseline="0" dirty="0" smtClean="0">
@@ -3075,13 +3059,8 @@
                       </a:r>
                       <a:r>
                         <a:rPr lang="en-US" sz="2000" b="0" baseline="0" dirty="0" smtClean="0"/>
-                        <a:t> </a:t>
+                        <a:t> Topological Sorting</a:t>
                       </a:r>
-                      <a:r>
-                        <a:rPr lang="en-US" sz="2000" b="0" baseline="0" dirty="0" smtClean="0"/>
-                        <a:t>Topological Sorting</a:t>
-                      </a:r>
-                      <a:endParaRPr lang="en-US" sz="2000" b="0" baseline="0" dirty="0" smtClean="0"/>
                     </a:p>
                     <a:p>
                       <a:pPr>
@@ -3099,11 +3078,7 @@
                       </a:r>
                       <a:r>
                         <a:rPr lang="en-US" sz="2000" b="0" baseline="0" dirty="0" smtClean="0"/>
-                        <a:t> Problems </a:t>
-                      </a:r>
-                      <a:r>
-                        <a:rPr lang="en-US" sz="2000" b="0" baseline="0" dirty="0" smtClean="0"/>
-                        <a:t>T1 (</a:t>
+                        <a:t> Problems T1 (</a:t>
                       </a:r>
                       <a:r>
                         <a:rPr lang="en-US" sz="2000" b="0" baseline="0" dirty="0" err="1" smtClean="0"/>
@@ -3121,7 +3096,6 @@
                         <a:rPr lang="en-US" sz="2000" b="0" baseline="0" dirty="0" smtClean="0"/>
                         <a:t> with negative weights)</a:t>
                       </a:r>
-                      <a:endParaRPr lang="en-US" sz="2000" b="0" baseline="0" dirty="0" smtClean="0"/>
                     </a:p>
                     <a:p>
                       <a:pPr>
@@ -3264,7 +3238,7 @@
             </a:r>
             <a:fld id="{A9DEA08E-4CB3-E742-9AC2-43959A293033}" type="datetime4">
               <a:rPr lang="en-AU" smtClean="0"/>
-              <a:t>April 29, 2020</a:t>
+              <a:t>May 1, 2020</a:t>
             </a:fld>
             <a:endParaRPr lang="en-US" dirty="0"/>
           </a:p>
@@ -3557,7 +3531,7 @@
             </a:r>
             <a:fld id="{A9DEA08E-4CB3-E742-9AC2-43959A293033}" type="datetime4">
               <a:rPr lang="en-AU" smtClean="0"/>
-              <a:t>April 29, 2020</a:t>
+              <a:t>May 1, 2020</a:t>
             </a:fld>
             <a:endParaRPr lang="en-US" dirty="0"/>
           </a:p>
@@ -3828,7 +3802,7 @@
             </a:r>
             <a:fld id="{A9DEA08E-4CB3-E742-9AC2-43959A293033}" type="datetime4">
               <a:rPr lang="en-AU" smtClean="0"/>
-              <a:t>April 28, 2020</a:t>
+              <a:t>May 1, 2020</a:t>
             </a:fld>
             <a:endParaRPr lang="en-US" dirty="0"/>
           </a:p>
@@ -3897,8 +3871,8 @@
         </p:nvSpPr>
         <p:spPr>
           <a:xfrm>
-            <a:off x="179512" y="733471"/>
-            <a:ext cx="8708901" cy="1323439"/>
+            <a:off x="-32445" y="626785"/>
+            <a:ext cx="8708901" cy="1631216"/>
           </a:xfrm>
           <a:prstGeom prst="rect">
             <a:avLst/>
@@ -3912,36 +3886,72 @@
           <a:lstStyle/>
           <a:p>
             <a:r>
+              <a:rPr lang="en-US" sz="2000" dirty="0"/>
+              <a:t> </a:t>
+            </a:r>
+            <a:r>
               <a:rPr lang="en-US" sz="2000" dirty="0" smtClean="0"/>
-              <a:t>Level-order: visit level-by-level, left-to-right, starting from the root (which is in 0-th level). </a:t>
-            </a:r>
+              <a:t>                                                     </a:t>
+            </a:r>
+            <a:r>
+              <a:rPr lang="en-US" sz="2000" dirty="0" smtClean="0">
+                <a:latin typeface="Copperplate Gothic Light"/>
+                <a:cs typeface="Copperplate Gothic Light"/>
+              </a:rPr>
+              <a:t>function </a:t>
+            </a:r>
+            <a:r>
+              <a:rPr lang="en-US" sz="2000" dirty="0" err="1" smtClean="0">
+                <a:latin typeface="Copperplate Gothic Light"/>
+                <a:cs typeface="Copperplate Gothic Light"/>
+              </a:rPr>
+              <a:t>BfsExplore</a:t>
+            </a:r>
+            <a:r>
+              <a:rPr lang="en-US" sz="2000" dirty="0" smtClean="0">
+                <a:latin typeface="Copperplate Gothic Light"/>
+                <a:cs typeface="Copperplate Gothic Light"/>
+              </a:rPr>
+              <a:t>(</a:t>
+            </a:r>
+            <a:r>
+              <a:rPr lang="en-US" sz="2000" i="1" dirty="0" smtClean="0">
+                <a:latin typeface="+mn-lt"/>
+                <a:cs typeface="Copperplate Gothic Light"/>
+              </a:rPr>
+              <a:t>v</a:t>
+            </a:r>
+            <a:r>
+              <a:rPr lang="en-US" sz="2000" dirty="0" smtClean="0">
+                <a:latin typeface="Copperplate Gothic Light"/>
+                <a:cs typeface="Copperplate Gothic Light"/>
+              </a:rPr>
+              <a:t>)</a:t>
+            </a:r>
+            <a:endParaRPr lang="en-US" sz="2000" dirty="0" smtClean="0">
+              <a:latin typeface="Copperplate Gothic Light"/>
+              <a:cs typeface="Copperplate Gothic Light"/>
+            </a:endParaRPr>
+          </a:p>
+          <a:p>
+            <a:endParaRPr lang="en-US" sz="2000" dirty="0" smtClean="0"/>
+          </a:p>
+          <a:p>
             <a:endParaRPr lang="en-US" sz="2000" dirty="0"/>
           </a:p>
           <a:p>
-            <a:pPr marL="514350" indent="-514350">
-              <a:buFont typeface="+mj-lt"/>
-              <a:buAutoNum type="alphaLcParenR"/>
-            </a:pPr>
-            <a:r>
-              <a:rPr lang="en-US" sz="2000" dirty="0" smtClean="0">
-                <a:solidFill>
-                  <a:schemeClr val="bg1">
-                    <a:lumMod val="65000"/>
-                  </a:schemeClr>
-                </a:solidFill>
-              </a:rPr>
-              <a:t>For the tree below, what’s the visited order?</a:t>
-            </a:r>
-          </a:p>
-          <a:p>
-            <a:pPr marL="514350" indent="-514350">
-              <a:buFont typeface="+mj-lt"/>
-              <a:buAutoNum type="alphaLcParenR"/>
-            </a:pPr>
+            <a:endParaRPr lang="en-US" sz="2000" dirty="0" smtClean="0"/>
+          </a:p>
+          <a:p>
+            <a:r>
+              <a:rPr lang="en-US" sz="2000" dirty="0" smtClean="0"/>
+              <a:t>b) </a:t>
+            </a:r>
             <a:r>
               <a:rPr lang="en-US" sz="2000" dirty="0" smtClean="0"/>
               <a:t>Write the level-order pseudo-code.</a:t>
             </a:r>
+            <a:endParaRPr lang="en-US" sz="2000" dirty="0" smtClean="0"/>
           </a:p>
         </p:txBody>
       </p:sp>
@@ -4100,6 +4110,30 @@
           </a:p>
         </p:txBody>
       </p:sp>
+      <p:pic>
+        <p:nvPicPr>
+          <p:cNvPr id="8" name="Picture 7"/>
+          <p:cNvPicPr>
+            <a:picLocks noChangeAspect="1"/>
+          </p:cNvPicPr>
+          <p:nvPr/>
+        </p:nvPicPr>
+        <p:blipFill>
+          <a:blip r:embed="rId2"/>
+          <a:stretch>
+            <a:fillRect/>
+          </a:stretch>
+        </p:blipFill>
+        <p:spPr>
+          <a:xfrm>
+            <a:off x="4554901" y="980728"/>
+            <a:ext cx="4321583" cy="2927001"/>
+          </a:xfrm>
+          <a:prstGeom prst="rect">
+            <a:avLst/>
+          </a:prstGeom>
+        </p:spPr>
+      </p:pic>
     </p:spTree>
     <p:extLst>
       <p:ext uri="{BB962C8B-B14F-4D97-AF65-F5344CB8AC3E}">
@@ -4190,7 +4224,7 @@
             </a:r>
             <a:fld id="{A9DEA08E-4CB3-E742-9AC2-43959A293033}" type="datetime4">
               <a:rPr lang="en-AU" smtClean="0"/>
-              <a:t>April 29, 2020</a:t>
+              <a:t>May 1, 2020</a:t>
             </a:fld>
             <a:endParaRPr lang="en-US" dirty="0"/>
           </a:p>
@@ -4550,7 +4584,7 @@
             </a:r>
             <a:fld id="{A9DEA08E-4CB3-E742-9AC2-43959A293033}" type="datetime4">
               <a:rPr lang="en-AU" smtClean="0"/>
-              <a:t>April 28, 2020</a:t>
+              <a:t>May 1, 2020</a:t>
             </a:fld>
             <a:endParaRPr lang="en-US" dirty="0"/>
           </a:p>
@@ -4734,11 +4768,7 @@
           <a:p>
             <a:r>
               <a:rPr lang="en-US" dirty="0" smtClean="0"/>
-              <a:t>Topological </a:t>
-            </a:r>
-            <a:r>
-              <a:rPr lang="en-US" dirty="0" smtClean="0"/>
-              <a:t>Sorting</a:t>
+              <a:t>Topological Sorting</a:t>
             </a:r>
             <a:endParaRPr lang="en-US" dirty="0"/>
           </a:p>
@@ -4832,7 +4862,7 @@
             </a:r>
             <a:fld id="{A9DEA08E-4CB3-E742-9AC2-43959A293033}" type="datetime4">
               <a:rPr lang="en-AU" smtClean="0"/>
-              <a:t>April 29, 2020</a:t>
+              <a:t>May 1, 2020</a:t>
             </a:fld>
             <a:endParaRPr lang="en-US" dirty="0"/>
           </a:p>
@@ -5014,11 +5044,7 @@
           <a:p>
             <a:r>
               <a:rPr lang="en-US" sz="2400" dirty="0" smtClean="0"/>
-              <a:t>Topological </a:t>
-            </a:r>
-            <a:r>
-              <a:rPr lang="en-US" sz="2400" dirty="0" smtClean="0"/>
-              <a:t>Sorting</a:t>
+              <a:t>Topological Sorting</a:t>
             </a:r>
             <a:endParaRPr lang="en-US" sz="2400" dirty="0"/>
           </a:p>
@@ -5120,9 +5146,6 @@
               </a:rPr>
               <a:t>What’s the complexity of this algorithm if using adjacency matrix? list?</a:t>
             </a:r>
-            <a:endParaRPr lang="en-US" sz="2200" dirty="0" smtClean="0">
-              <a:effectLst/>
-            </a:endParaRPr>
           </a:p>
           <a:p>
             <a:pPr marL="0" indent="0">
@@ -5156,7 +5179,7 @@
             </a:r>
             <a:fld id="{A9DEA08E-4CB3-E742-9AC2-43959A293033}" type="datetime4">
               <a:rPr lang="en-AU" smtClean="0"/>
-              <a:t>April 29, 2020</a:t>
+              <a:t>May 1, 2020</a:t>
             </a:fld>
             <a:endParaRPr lang="en-US" dirty="0"/>
           </a:p>
@@ -5293,11 +5316,7 @@
           <a:p>
             <a:r>
               <a:rPr lang="en-US" sz="2400" dirty="0" smtClean="0"/>
-              <a:t>Topological </a:t>
-            </a:r>
-            <a:r>
-              <a:rPr lang="en-US" sz="2400" dirty="0" smtClean="0"/>
-              <a:t>Sorting</a:t>
+              <a:t>Topological Sorting</a:t>
             </a:r>
             <a:endParaRPr lang="en-US" sz="2400" dirty="0"/>
           </a:p>
@@ -5356,19 +5375,7 @@
               <a:rPr lang="en-US" sz="2200" b="1" dirty="0" smtClean="0">
                 <a:effectLst/>
               </a:rPr>
-              <a:t>Another </a:t>
-            </a:r>
-            <a:r>
-              <a:rPr lang="en-US" sz="2200" b="1" dirty="0" smtClean="0">
-                <a:effectLst/>
-              </a:rPr>
-              <a:t>A</a:t>
-            </a:r>
-            <a:r>
-              <a:rPr lang="en-US" sz="2200" b="1" dirty="0" smtClean="0">
-                <a:effectLst/>
-              </a:rPr>
-              <a:t>lgorithm</a:t>
+              <a:t>Another Algorithm</a:t>
             </a:r>
             <a:r>
               <a:rPr lang="en-US" sz="2200" dirty="0" smtClean="0">
@@ -5460,7 +5467,7 @@
             </a:r>
             <a:fld id="{A9DEA08E-4CB3-E742-9AC2-43959A293033}" type="datetime4">
               <a:rPr lang="en-AU" smtClean="0"/>
-              <a:t>April 29, 2020</a:t>
+              <a:t>May 1, 2020</a:t>
             </a:fld>
             <a:endParaRPr lang="en-US" dirty="0"/>
           </a:p>
@@ -5599,7 +5606,6 @@
               <a:rPr lang="en-US" sz="2400" dirty="0"/>
               <a:t>DFS: push- and pop-order (pre- and post-order)  </a:t>
             </a:r>
-            <a:endParaRPr lang="en-US" sz="2400" dirty="0"/>
           </a:p>
         </p:txBody>
       </p:sp>
@@ -5627,7 +5633,7 @@
             </a:r>
             <a:fld id="{A9DEA08E-4CB3-E742-9AC2-43959A293033}" type="datetime4">
               <a:rPr lang="en-AU" smtClean="0"/>
-              <a:t>April 29, 2020</a:t>
+              <a:t>May 1, 2020</a:t>
             </a:fld>
             <a:endParaRPr lang="en-US" dirty="0"/>
           </a:p>
@@ -5963,25 +5969,7 @@
                 </a:solidFill>
                 <a:effectLst/>
               </a:rPr>
-              <a:t> </a:t>
-            </a:r>
-            <a:r>
-              <a:rPr lang="en-US" sz="1800" i="1" dirty="0" smtClean="0">
-                <a:solidFill>
-                  <a:srgbClr val="000090"/>
-                </a:solidFill>
-                <a:effectLst/>
-              </a:rPr>
-              <a:t>Finding a topological order for the graph by </a:t>
-            </a:r>
-            <a:r>
-              <a:rPr lang="en-US" sz="1800" i="1" dirty="0" smtClean="0">
-                <a:solidFill>
-                  <a:srgbClr val="000090"/>
-                </a:solidFill>
-                <a:effectLst/>
-              </a:rPr>
-              <a:t>running </a:t>
+              <a:t> Finding a topological order for the graph by running </a:t>
             </a:r>
             <a:r>
               <a:rPr lang="en-US" sz="1800" i="1" dirty="0">
@@ -6227,7 +6215,7 @@
             </a:r>
             <a:fld id="{A9DEA08E-4CB3-E742-9AC2-43959A293033}" type="datetime4">
               <a:rPr lang="en-AU" smtClean="0"/>
-              <a:t>April 29, 2020</a:t>
+              <a:t>May 1, 2020</a:t>
             </a:fld>
             <a:endParaRPr lang="en-US" dirty="0"/>
           </a:p>
@@ -6480,7 +6468,7 @@
             </a:r>
             <a:fld id="{A9DEA08E-4CB3-E742-9AC2-43959A293033}" type="datetime4">
               <a:rPr lang="en-AU" smtClean="0"/>
-              <a:t>April 29, 2020</a:t>
+              <a:t>May 1, 2020</a:t>
             </a:fld>
             <a:endParaRPr lang="en-US" dirty="0"/>
           </a:p>
@@ -6713,7 +6701,7 @@
             </a:r>
             <a:fld id="{A9DEA08E-4CB3-E742-9AC2-43959A293033}" type="datetime4">
               <a:rPr lang="en-AU" smtClean="0"/>
-              <a:t>April 29, 2020</a:t>
+              <a:t>May 1, 2020</a:t>
             </a:fld>
             <a:endParaRPr lang="en-US" dirty="0"/>
           </a:p>
@@ -6821,11 +6809,7 @@
           <a:p>
             <a:r>
               <a:rPr lang="en-US" dirty="0" smtClean="0"/>
-              <a:t>Binary tree </a:t>
-            </a:r>
-            <a:r>
-              <a:rPr lang="en-US" dirty="0" smtClean="0"/>
-              <a:t>traversal </a:t>
+              <a:t>Binary tree traversal </a:t>
             </a:r>
             <a:endParaRPr lang="en-US" dirty="0"/>
           </a:p>
@@ -6855,7 +6839,7 @@
             </a:r>
             <a:fld id="{A9DEA08E-4CB3-E742-9AC2-43959A293033}" type="datetime4">
               <a:rPr lang="en-AU" smtClean="0"/>
-              <a:t>April 29, 2020</a:t>
+              <a:t>May 1, 2020</a:t>
             </a:fld>
             <a:endParaRPr lang="en-US" dirty="0"/>
           </a:p>
@@ -6940,11 +6924,7 @@
           <a:p>
             <a:r>
               <a:rPr lang="en-US" sz="2800" dirty="0" smtClean="0"/>
-              <a:t>What is</a:t>
-            </a:r>
-            <a:r>
-              <a:rPr lang="en-US" sz="2800" dirty="0" smtClean="0"/>
-              <a:t> </a:t>
+              <a:t>What is </a:t>
             </a:r>
             <a:r>
               <a:rPr lang="en-US" sz="2800" i="1" dirty="0" err="1"/>
